--- a/spring/Spring upload-download.pptx
+++ b/spring/Spring upload-download.pptx
@@ -128,6 +128,62 @@
     </p:ext>
   </p:extLst>
 </p:presentation>
+</file>
+
+<file path=ppt/ink/ink1.xml><?xml version="1.0" encoding="utf-8"?>
+<inkml:ink xmlns:inkml="http://www.w3.org/2003/InkML">
+  <inkml:definitions>
+    <inkml:context xml:id="ctx0">
+      <inkml:inkSource xml:id="inkSrc0">
+        <inkml:traceFormat>
+          <inkml:channel name="X" type="integer" min="-2.14748E9" max="2.14748E9" units="cm"/>
+          <inkml:channel name="Y" type="integer" min="-2.14748E9" max="2.14748E9" units="cm"/>
+          <inkml:channel name="F" type="integer" max="32767" units="dev"/>
+        </inkml:traceFormat>
+        <inkml:channelProperties>
+          <inkml:channelProperty channel="X" name="resolution" value="1000" units="1/cm"/>
+          <inkml:channelProperty channel="Y" name="resolution" value="1000" units="1/cm"/>
+          <inkml:channelProperty channel="F" name="resolution" value="0" units="1/dev"/>
+        </inkml:channelProperties>
+      </inkml:inkSource>
+      <inkml:timestamp xml:id="ts0" timeString="2022-02-23T07:45:17.542"/>
+    </inkml:context>
+    <inkml:brush xml:id="br0">
+      <inkml:brushProperty name="width" value="0.05" units="cm"/>
+      <inkml:brushProperty name="height" value="0.05" units="cm"/>
+      <inkml:brushProperty name="color" value="#E71224"/>
+    </inkml:brush>
+  </inkml:definitions>
+  <inkml:trace contextRef="#ctx0" brushRef="#br0">1 1 24575,'918'0'0,"-864"2"0,0 3 0,57 14 0,-55-9 0,98 5 0,-83-10 0,104 19 0,-22-1 0,-76-12 0,-37-5 0,47 2 0,-58-5 0,0 0 0,0 2 0,33 10 0,-35-7 0,0-2 0,1-1 0,50 3 0,953-10 0,-883 15 0,-7 0 0,1124-11 0,-616-5 0,375 3-1365,-1002 0-5461</inkml:trace>
+</inkml:ink>
+</file>
+
+<file path=ppt/ink/ink2.xml><?xml version="1.0" encoding="utf-8"?>
+<inkml:ink xmlns:inkml="http://www.w3.org/2003/InkML">
+  <inkml:definitions>
+    <inkml:context xml:id="ctx0">
+      <inkml:inkSource xml:id="inkSrc0">
+        <inkml:traceFormat>
+          <inkml:channel name="X" type="integer" min="-2.14748E9" max="2.14748E9" units="cm"/>
+          <inkml:channel name="Y" type="integer" min="-2.14748E9" max="2.14748E9" units="cm"/>
+          <inkml:channel name="F" type="integer" max="32767" units="dev"/>
+        </inkml:traceFormat>
+        <inkml:channelProperties>
+          <inkml:channelProperty channel="X" name="resolution" value="1000" units="1/cm"/>
+          <inkml:channelProperty channel="Y" name="resolution" value="1000" units="1/cm"/>
+          <inkml:channelProperty channel="F" name="resolution" value="0" units="1/dev"/>
+        </inkml:channelProperties>
+      </inkml:inkSource>
+      <inkml:timestamp xml:id="ts0" timeString="2022-02-23T07:45:23.533"/>
+    </inkml:context>
+    <inkml:brush xml:id="br0">
+      <inkml:brushProperty name="width" value="0.05" units="cm"/>
+      <inkml:brushProperty name="height" value="0.05" units="cm"/>
+      <inkml:brushProperty name="color" value="#E71224"/>
+    </inkml:brush>
+  </inkml:definitions>
+  <inkml:trace contextRef="#ctx0" brushRef="#br0">0 156 24575,'19'-1'0,"0"-1"0,36-8 0,-35 5 0,0 2 0,27-3 0,-1 2 0,-1-2 0,71-18 0,-23 3 0,-8 4 0,1 4 0,136-4 0,3124 20 0,-1778-5 0,-1535 1 0,58-11 0,-58 6 0,55-2 0,1040 9-1365,-1106-1-5461</inkml:trace>
+</inkml:ink>
 </file>
 
 <file path=ppt/slideLayouts/slideLayout1.xml><?xml version="1.0" encoding="utf-8"?>
@@ -747,7 +803,7 @@
           <a:p>
             <a:fld id="{4E3AD753-C254-42CF-8EA5-B7199BEC928F}" type="datetimeFigureOut">
               <a:rPr lang="ko-KR" altLang="en-US" smtClean="0"/>
-              <a:t>2022-02-23</a:t>
+              <a:t>2022-03-03</a:t>
             </a:fld>
             <a:endParaRPr lang="ko-KR" altLang="en-US"/>
           </a:p>
@@ -937,7 +993,7 @@
           <a:p>
             <a:fld id="{4E3AD753-C254-42CF-8EA5-B7199BEC928F}" type="datetimeFigureOut">
               <a:rPr lang="ko-KR" altLang="en-US" smtClean="0"/>
-              <a:t>2022-02-23</a:t>
+              <a:t>2022-03-03</a:t>
             </a:fld>
             <a:endParaRPr lang="ko-KR" altLang="en-US"/>
           </a:p>
@@ -1112,7 +1168,7 @@
           <a:p>
             <a:fld id="{4E3AD753-C254-42CF-8EA5-B7199BEC928F}" type="datetimeFigureOut">
               <a:rPr lang="ko-KR" altLang="en-US" smtClean="0"/>
-              <a:t>2022-02-23</a:t>
+              <a:t>2022-03-03</a:t>
             </a:fld>
             <a:endParaRPr lang="ko-KR" altLang="en-US"/>
           </a:p>
@@ -1254,7 +1310,7 @@
           <a:p>
             <a:fld id="{4E3AD753-C254-42CF-8EA5-B7199BEC928F}" type="datetimeFigureOut">
               <a:rPr lang="ko-KR" altLang="en-US" smtClean="0"/>
-              <a:t>2022-02-23</a:t>
+              <a:t>2022-03-03</a:t>
             </a:fld>
             <a:endParaRPr lang="ko-KR" altLang="en-US"/>
           </a:p>
@@ -1501,7 +1557,7 @@
           <a:p>
             <a:fld id="{4E3AD753-C254-42CF-8EA5-B7199BEC928F}" type="datetimeFigureOut">
               <a:rPr lang="ko-KR" altLang="en-US" smtClean="0"/>
-              <a:t>2022-02-23</a:t>
+              <a:t>2022-03-03</a:t>
             </a:fld>
             <a:endParaRPr lang="ko-KR" altLang="en-US"/>
           </a:p>
@@ -1900,7 +1956,7 @@
           <a:p>
             <a:fld id="{4E3AD753-C254-42CF-8EA5-B7199BEC928F}" type="datetimeFigureOut">
               <a:rPr lang="ko-KR" altLang="en-US" smtClean="0"/>
-              <a:t>2022-02-23</a:t>
+              <a:t>2022-03-03</a:t>
             </a:fld>
             <a:endParaRPr lang="ko-KR" altLang="en-US"/>
           </a:p>
@@ -2338,7 +2394,7 @@
           <a:p>
             <a:fld id="{4E3AD753-C254-42CF-8EA5-B7199BEC928F}" type="datetimeFigureOut">
               <a:rPr lang="ko-KR" altLang="en-US" smtClean="0"/>
-              <a:t>2022-02-23</a:t>
+              <a:t>2022-03-03</a:t>
             </a:fld>
             <a:endParaRPr lang="ko-KR" altLang="en-US"/>
           </a:p>
@@ -2433,7 +2489,7 @@
           <a:p>
             <a:fld id="{4E3AD753-C254-42CF-8EA5-B7199BEC928F}" type="datetimeFigureOut">
               <a:rPr lang="ko-KR" altLang="en-US" smtClean="0"/>
-              <a:t>2022-02-23</a:t>
+              <a:t>2022-03-03</a:t>
             </a:fld>
             <a:endParaRPr lang="ko-KR" altLang="en-US"/>
           </a:p>
@@ -2546,7 +2602,7 @@
           <a:p>
             <a:fld id="{4E3AD753-C254-42CF-8EA5-B7199BEC928F}" type="datetimeFigureOut">
               <a:rPr lang="ko-KR" altLang="en-US" smtClean="0"/>
-              <a:t>2022-02-23</a:t>
+              <a:t>2022-03-03</a:t>
             </a:fld>
             <a:endParaRPr lang="ko-KR" altLang="en-US"/>
           </a:p>
@@ -2814,7 +2870,7 @@
           <a:p>
             <a:fld id="{4E3AD753-C254-42CF-8EA5-B7199BEC928F}" type="datetimeFigureOut">
               <a:rPr lang="ko-KR" altLang="en-US" smtClean="0"/>
-              <a:t>2022-02-23</a:t>
+              <a:t>2022-03-03</a:t>
             </a:fld>
             <a:endParaRPr lang="ko-KR" altLang="en-US"/>
           </a:p>
@@ -3015,7 +3071,7 @@
           <a:p>
             <a:fld id="{4E3AD753-C254-42CF-8EA5-B7199BEC928F}" type="datetimeFigureOut">
               <a:rPr lang="ko-KR" altLang="en-US" smtClean="0"/>
-              <a:t>2022-02-23</a:t>
+              <a:t>2022-03-03</a:t>
             </a:fld>
             <a:endParaRPr lang="ko-KR" altLang="en-US"/>
           </a:p>
@@ -4104,7 +4160,7 @@
           <a:p>
             <a:fld id="{4E3AD753-C254-42CF-8EA5-B7199BEC928F}" type="datetimeFigureOut">
               <a:rPr lang="ko-KR" altLang="en-US" smtClean="0"/>
-              <a:t>2022-02-23</a:t>
+              <a:t>2022-03-03</a:t>
             </a:fld>
             <a:endParaRPr lang="ko-KR" altLang="en-US"/>
           </a:p>
@@ -4647,6 +4703,18 @@
               <a:rPr lang="ko-KR" altLang="en-US" sz="1800" dirty="0"/>
               <a:t>을 설정하고 주입하여 구현</a:t>
             </a:r>
+            <a:r>
+              <a:rPr lang="en-US" altLang="ko-KR" sz="1800" dirty="0"/>
+              <a:t>(servlet-context.xml</a:t>
+            </a:r>
+            <a:r>
+              <a:rPr lang="ko-KR" altLang="en-US" sz="1800" dirty="0"/>
+              <a:t>에</a:t>
+            </a:r>
+            <a:r>
+              <a:rPr lang="en-US" altLang="ko-KR" sz="1800" dirty="0"/>
+              <a:t>)</a:t>
+            </a:r>
             <a:br>
               <a:rPr lang="en-US" altLang="ko-KR" sz="1800" dirty="0"/>
             </a:br>
@@ -4934,8 +5002,24 @@
               <a:buNone/>
             </a:pPr>
             <a:r>
-              <a:rPr lang="en-US" altLang="ko-KR" sz="1400"/>
-              <a:t>&lt;beans:bean id="multipartResolver" class="org.springframework.web.multipart.commons.CommonsMultipartResolver"&gt;</a:t>
+              <a:rPr lang="en-US" altLang="ko-KR" sz="1400" dirty="0"/>
+              <a:t>&lt;</a:t>
+            </a:r>
+            <a:r>
+              <a:rPr lang="en-US" altLang="ko-KR" sz="1400" dirty="0" err="1"/>
+              <a:t>beans:bean</a:t>
+            </a:r>
+            <a:r>
+              <a:rPr lang="en-US" altLang="ko-KR" sz="1400" dirty="0"/>
+              <a:t> id="</a:t>
+            </a:r>
+            <a:r>
+              <a:rPr lang="en-US" altLang="ko-KR" sz="1400" dirty="0" err="1"/>
+              <a:t>multipartResolver</a:t>
+            </a:r>
+            <a:r>
+              <a:rPr lang="en-US" altLang="ko-KR" sz="1400" dirty="0"/>
+              <a:t>" class="org.springframework.web.multipart.commons.CommonsMultipartResolver"&gt;</a:t>
             </a:r>
           </a:p>
           <a:p>
@@ -4943,7 +5027,7 @@
               <a:buNone/>
             </a:pPr>
             <a:r>
-              <a:rPr lang="en-US" altLang="ko-KR" sz="1600"/>
+              <a:rPr lang="en-US" altLang="ko-KR" sz="1600" dirty="0"/>
               <a:t>        &lt;!-- max upload size in bytes --&gt; </a:t>
             </a:r>
           </a:p>
@@ -4952,8 +5036,24 @@
               <a:buNone/>
             </a:pPr>
             <a:r>
-              <a:rPr lang="en-US" altLang="ko-KR" sz="1600"/>
-              <a:t>       &lt;beans:property name="maxUploadSize" value="5242880" /&gt; </a:t>
+              <a:rPr lang="en-US" altLang="ko-KR" sz="1600" dirty="0"/>
+              <a:t>       &lt;</a:t>
+            </a:r>
+            <a:r>
+              <a:rPr lang="en-US" altLang="ko-KR" sz="1600" dirty="0" err="1"/>
+              <a:t>beans:property</a:t>
+            </a:r>
+            <a:r>
+              <a:rPr lang="en-US" altLang="ko-KR" sz="1600" dirty="0"/>
+              <a:t> name="</a:t>
+            </a:r>
+            <a:r>
+              <a:rPr lang="en-US" altLang="ko-KR" sz="1600" dirty="0" err="1"/>
+              <a:t>maxUploadSize</a:t>
+            </a:r>
+            <a:r>
+              <a:rPr lang="en-US" altLang="ko-KR" sz="1600" dirty="0"/>
+              <a:t>" value="5242880" /&gt; </a:t>
             </a:r>
           </a:p>
           <a:p>
@@ -4961,7 +5061,7 @@
               <a:buNone/>
             </a:pPr>
             <a:r>
-              <a:rPr lang="en-US" altLang="ko-KR" sz="1600"/>
+              <a:rPr lang="en-US" altLang="ko-KR" sz="1600" dirty="0"/>
               <a:t>          &lt;!-- 5MB --&gt;</a:t>
             </a:r>
           </a:p>
@@ -4970,23 +5070,27 @@
               <a:buNone/>
             </a:pPr>
             <a:r>
-              <a:rPr lang="en-US" altLang="ko-KR" sz="1600"/>
+              <a:rPr lang="en-US" altLang="ko-KR" sz="1600" dirty="0"/>
               <a:t>        &lt;!-- max size of file in memory (in bytes)  disk</a:t>
             </a:r>
             <a:r>
-              <a:rPr lang="ko-KR" altLang="en-US" sz="1600"/>
-              <a:t>저장전 </a:t>
-            </a:r>
-            <a:r>
-              <a:rPr lang="en-US" altLang="ko-KR" sz="1600"/>
+              <a:rPr lang="ko-KR" altLang="en-US" sz="1600" dirty="0" err="1"/>
+              <a:t>저장전</a:t>
+            </a:r>
+            <a:r>
+              <a:rPr lang="ko-KR" altLang="en-US" sz="1600" dirty="0"/>
+              <a:t> </a:t>
+            </a:r>
+            <a:r>
+              <a:rPr lang="en-US" altLang="ko-KR" sz="1600" dirty="0"/>
               <a:t>memory</a:t>
             </a:r>
             <a:r>
-              <a:rPr lang="ko-KR" altLang="en-US" sz="1600"/>
+              <a:rPr lang="ko-KR" altLang="en-US" sz="1600" dirty="0"/>
               <a:t>저장 용량</a:t>
             </a:r>
             <a:r>
-              <a:rPr lang="en-US" altLang="ko-KR" sz="1600"/>
+              <a:rPr lang="en-US" altLang="ko-KR" sz="1600" dirty="0"/>
               <a:t> --&gt;  	</a:t>
             </a:r>
           </a:p>
@@ -4995,8 +5099,24 @@
               <a:buNone/>
             </a:pPr>
             <a:r>
-              <a:rPr lang="en-US" altLang="ko-KR" sz="1600"/>
-              <a:t>       &lt;beans:property name="maxInMemorySize" value="1048576" /&gt; </a:t>
+              <a:rPr lang="en-US" altLang="ko-KR" sz="1600" dirty="0"/>
+              <a:t>       &lt;</a:t>
+            </a:r>
+            <a:r>
+              <a:rPr lang="en-US" altLang="ko-KR" sz="1600" dirty="0" err="1"/>
+              <a:t>beans:property</a:t>
+            </a:r>
+            <a:r>
+              <a:rPr lang="en-US" altLang="ko-KR" sz="1600" dirty="0"/>
+              <a:t> name="</a:t>
+            </a:r>
+            <a:r>
+              <a:rPr lang="en-US" altLang="ko-KR" sz="1600" dirty="0" err="1"/>
+              <a:t>maxInMemorySize</a:t>
+            </a:r>
+            <a:r>
+              <a:rPr lang="en-US" altLang="ko-KR" sz="1600" dirty="0"/>
+              <a:t>" value="1048576" /&gt; </a:t>
             </a:r>
           </a:p>
           <a:p>
@@ -5004,7 +5124,7 @@
               <a:buNone/>
             </a:pPr>
             <a:r>
-              <a:rPr lang="en-US" altLang="ko-KR" sz="1600"/>
+              <a:rPr lang="en-US" altLang="ko-KR" sz="1600" dirty="0"/>
               <a:t>          &lt;!-- 1MB --&gt; </a:t>
             </a:r>
           </a:p>
@@ -5013,10 +5133,18 @@
               <a:buNone/>
             </a:pPr>
             <a:r>
-              <a:rPr lang="en-US" altLang="ko-KR" sz="1600"/>
-              <a:t>&lt;/beans:bean&gt; </a:t>
-            </a:r>
-            <a:endParaRPr lang="ko-KR" altLang="en-US" sz="1600"/>
+              <a:rPr lang="en-US" altLang="ko-KR" sz="1600" dirty="0"/>
+              <a:t>&lt;/</a:t>
+            </a:r>
+            <a:r>
+              <a:rPr lang="en-US" altLang="ko-KR" sz="1600" dirty="0" err="1"/>
+              <a:t>beans:bean</a:t>
+            </a:r>
+            <a:r>
+              <a:rPr lang="en-US" altLang="ko-KR" sz="1600" dirty="0"/>
+              <a:t>&gt; </a:t>
+            </a:r>
+            <a:endParaRPr lang="ko-KR" altLang="en-US" sz="1600" dirty="0"/>
           </a:p>
         </p:txBody>
       </p:sp>
@@ -5091,23 +5219,39 @@
           <a:lstStyle/>
           <a:p>
             <a:r>
-              <a:rPr lang="en-US" altLang="ko-KR" sz="1800"/>
+              <a:rPr lang="en-US" altLang="ko-KR" sz="1800" dirty="0"/>
               <a:t>@MultipartConfig(maxFileSize=1024*1024*4,location="C:/upimage/")</a:t>
             </a:r>
           </a:p>
           <a:p>
             <a:r>
-              <a:rPr lang="en-US" altLang="ko-KR" sz="1800"/>
+              <a:rPr lang="en-US" altLang="ko-KR" sz="1800" dirty="0"/>
               <a:t>@RequestMapping(“/requestupload")</a:t>
             </a:r>
             <a:br>
-              <a:rPr lang="en-US" altLang="ko-KR" sz="1800"/>
+              <a:rPr lang="en-US" altLang="ko-KR" sz="1800" dirty="0"/>
             </a:br>
             <a:r>
-              <a:rPr lang="en-US" altLang="ko-KR" sz="1800"/>
-              <a:t>public String requestupload1(MultipartHttpServletRequest mtfRequest,Model model) </a:t>
-            </a:r>
-            <a:endParaRPr lang="ko-KR" altLang="en-US" sz="1800"/>
+              <a:rPr lang="en-US" altLang="ko-KR" sz="1800" dirty="0"/>
+              <a:t>public String requestupload1(</a:t>
+            </a:r>
+            <a:r>
+              <a:rPr lang="en-US" altLang="ko-KR" sz="1800" dirty="0" err="1"/>
+              <a:t>MultipartHttpServletRequest</a:t>
+            </a:r>
+            <a:r>
+              <a:rPr lang="en-US" altLang="ko-KR" sz="1800" dirty="0"/>
+              <a:t> </a:t>
+            </a:r>
+            <a:r>
+              <a:rPr lang="en-US" altLang="ko-KR" sz="1800" dirty="0" err="1"/>
+              <a:t>mtfRequest,Model</a:t>
+            </a:r>
+            <a:r>
+              <a:rPr lang="en-US" altLang="ko-KR" sz="1800" dirty="0"/>
+              <a:t> model) </a:t>
+            </a:r>
+            <a:endParaRPr lang="ko-KR" altLang="en-US" sz="1800" dirty="0"/>
           </a:p>
         </p:txBody>
       </p:sp>
@@ -5127,10 +5271,17 @@
           <a:lstStyle/>
           <a:p>
             <a:r>
-              <a:rPr lang="en-US" altLang="ko-KR"/>
-              <a:t>controller</a:t>
-            </a:r>
-            <a:endParaRPr lang="ko-KR" altLang="en-US"/>
+              <a:rPr lang="en-US" altLang="ko-KR" dirty="0"/>
+              <a:t>Controller – </a:t>
+            </a:r>
+            <a:r>
+              <a:rPr lang="ko-KR" altLang="en-US" dirty="0" err="1"/>
+              <a:t>어노테이션</a:t>
+            </a:r>
+            <a:r>
+              <a:rPr lang="ko-KR" altLang="en-US" dirty="0"/>
+              <a:t> 사용시</a:t>
+            </a:r>
           </a:p>
         </p:txBody>
       </p:sp>
@@ -5253,6 +5404,108 @@
           </a:p>
         </p:txBody>
       </p:sp>
+      <mc:AlternateContent xmlns:mc="http://schemas.openxmlformats.org/markup-compatibility/2006" xmlns:p14="http://schemas.microsoft.com/office/powerpoint/2010/main">
+        <mc:Choice Requires="p14">
+          <p:contentPart p14:bwMode="auto" r:id="rId3">
+            <p14:nvContentPartPr>
+              <p14:cNvPr id="3" name="잉크 2">
+                <a:extLst>
+                  <a:ext uri="{FF2B5EF4-FFF2-40B4-BE49-F238E27FC236}">
+                    <a16:creationId xmlns:a16="http://schemas.microsoft.com/office/drawing/2014/main" id="{ACE2C644-7586-427C-A99E-D30669DDDA5E}"/>
+                  </a:ext>
+                </a:extLst>
+              </p14:cNvPr>
+              <p14:cNvContentPartPr/>
+              <p14:nvPr/>
+            </p14:nvContentPartPr>
+            <p14:xfrm>
+              <a:off x="5523040" y="2308869"/>
+              <a:ext cx="2354400" cy="74880"/>
+            </p14:xfrm>
+          </p:contentPart>
+        </mc:Choice>
+        <mc:Fallback xmlns="">
+          <p:pic>
+            <p:nvPicPr>
+              <p:cNvPr id="3" name="잉크 2">
+                <a:extLst>
+                  <a:ext uri="{FF2B5EF4-FFF2-40B4-BE49-F238E27FC236}">
+                    <a16:creationId xmlns:a16="http://schemas.microsoft.com/office/drawing/2014/main" id="{ACE2C644-7586-427C-A99E-D30669DDDA5E}"/>
+                  </a:ext>
+                </a:extLst>
+              </p:cNvPr>
+              <p:cNvPicPr/>
+              <p:nvPr/>
+            </p:nvPicPr>
+            <p:blipFill>
+              <a:blip r:embed="rId4"/>
+              <a:stretch>
+                <a:fillRect/>
+              </a:stretch>
+            </p:blipFill>
+            <p:spPr>
+              <a:xfrm>
+                <a:off x="5514400" y="2300229"/>
+                <a:ext cx="2372040" cy="92520"/>
+              </a:xfrm>
+              <a:prstGeom prst="rect">
+                <a:avLst/>
+              </a:prstGeom>
+            </p:spPr>
+          </p:pic>
+        </mc:Fallback>
+      </mc:AlternateContent>
+      <mc:AlternateContent xmlns:mc="http://schemas.openxmlformats.org/markup-compatibility/2006" xmlns:p14="http://schemas.microsoft.com/office/powerpoint/2010/main">
+        <mc:Choice Requires="p14">
+          <p:contentPart p14:bwMode="auto" r:id="rId5">
+            <p14:nvContentPartPr>
+              <p14:cNvPr id="4" name="잉크 3">
+                <a:extLst>
+                  <a:ext uri="{FF2B5EF4-FFF2-40B4-BE49-F238E27FC236}">
+                    <a16:creationId xmlns:a16="http://schemas.microsoft.com/office/drawing/2014/main" id="{A5F33A69-7C44-4B21-8139-ACF7480ECE9C}"/>
+                  </a:ext>
+                </a:extLst>
+              </p14:cNvPr>
+              <p14:cNvContentPartPr/>
+              <p14:nvPr/>
+            </p14:nvContentPartPr>
+            <p14:xfrm>
+              <a:off x="5541400" y="3628989"/>
+              <a:ext cx="2585520" cy="56160"/>
+            </p14:xfrm>
+          </p:contentPart>
+        </mc:Choice>
+        <mc:Fallback xmlns="">
+          <p:pic>
+            <p:nvPicPr>
+              <p:cNvPr id="4" name="잉크 3">
+                <a:extLst>
+                  <a:ext uri="{FF2B5EF4-FFF2-40B4-BE49-F238E27FC236}">
+                    <a16:creationId xmlns:a16="http://schemas.microsoft.com/office/drawing/2014/main" id="{A5F33A69-7C44-4B21-8139-ACF7480ECE9C}"/>
+                  </a:ext>
+                </a:extLst>
+              </p:cNvPr>
+              <p:cNvPicPr/>
+              <p:nvPr/>
+            </p:nvPicPr>
+            <p:blipFill>
+              <a:blip r:embed="rId6"/>
+              <a:stretch>
+                <a:fillRect/>
+              </a:stretch>
+            </p:blipFill>
+            <p:spPr>
+              <a:xfrm>
+                <a:off x="5532400" y="3620349"/>
+                <a:ext cx="2603160" cy="73800"/>
+              </a:xfrm>
+              <a:prstGeom prst="rect">
+                <a:avLst/>
+              </a:prstGeom>
+            </p:spPr>
+          </p:pic>
+        </mc:Fallback>
+      </mc:AlternateContent>
     </p:spTree>
     <p:extLst>
       <p:ext uri="{BB962C8B-B14F-4D97-AF65-F5344CB8AC3E}">
@@ -5301,78 +5554,94 @@
           <a:lstStyle/>
           <a:p>
             <a:r>
-              <a:rPr lang="en-US" altLang="ko-KR" sz="1800"/>
+              <a:rPr lang="en-US" altLang="ko-KR" sz="1800" dirty="0" err="1"/>
               <a:t>FileInputStream</a:t>
             </a:r>
             <a:r>
-              <a:rPr lang="ko-KR" altLang="en-US" sz="1800"/>
+              <a:rPr lang="ko-KR" altLang="en-US" sz="1800" dirty="0"/>
               <a:t>과 </a:t>
             </a:r>
             <a:r>
-              <a:rPr lang="en-US" altLang="ko-KR" sz="1800"/>
+              <a:rPr lang="en-US" altLang="ko-KR" sz="1800" dirty="0" err="1"/>
               <a:t>ServletOutputStream</a:t>
             </a:r>
             <a:r>
-              <a:rPr lang="ko-KR" altLang="en-US" sz="1800"/>
+              <a:rPr lang="ko-KR" altLang="en-US" sz="1800" dirty="0"/>
               <a:t>을 이용하여 </a:t>
             </a:r>
             <a:r>
-              <a:rPr lang="en-US" altLang="ko-KR" sz="1800"/>
+              <a:rPr lang="en-US" altLang="ko-KR" sz="1800" dirty="0"/>
               <a:t>controller</a:t>
             </a:r>
             <a:r>
-              <a:rPr lang="ko-KR" altLang="en-US" sz="1800"/>
+              <a:rPr lang="ko-KR" altLang="en-US" sz="1800" dirty="0"/>
               <a:t>에서 구현</a:t>
             </a:r>
-            <a:endParaRPr lang="en-US" altLang="ko-KR" sz="1800"/>
-          </a:p>
-          <a:p>
-            <a:r>
-              <a:rPr lang="en-US" altLang="ko-KR" sz="1800"/>
+            <a:endParaRPr lang="en-US" altLang="ko-KR" sz="1800" dirty="0"/>
+          </a:p>
+          <a:p>
+            <a:r>
+              <a:rPr lang="en-US" altLang="ko-KR" sz="1800" dirty="0"/>
               <a:t>Html5</a:t>
             </a:r>
             <a:r>
-              <a:rPr lang="ko-KR" altLang="en-US" sz="1800"/>
+              <a:rPr lang="ko-KR" altLang="en-US" sz="1800" dirty="0"/>
               <a:t>에서 제공하는 </a:t>
             </a:r>
             <a:r>
-              <a:rPr lang="en-US" altLang="ko-KR" sz="1800"/>
+              <a:rPr lang="en-US" altLang="ko-KR" sz="1800" dirty="0"/>
               <a:t>&lt;a&gt;</a:t>
             </a:r>
             <a:r>
-              <a:rPr lang="ko-KR" altLang="en-US" sz="1800"/>
+              <a:rPr lang="ko-KR" altLang="en-US" sz="1800" dirty="0"/>
               <a:t>태그의 </a:t>
             </a:r>
             <a:r>
-              <a:rPr lang="en-US" altLang="ko-KR" sz="1800"/>
+              <a:rPr lang="en-US" altLang="ko-KR" sz="1800" dirty="0"/>
               <a:t>download</a:t>
             </a:r>
             <a:r>
-              <a:rPr lang="ko-KR" altLang="en-US" sz="1800"/>
+              <a:rPr lang="ko-KR" altLang="en-US" sz="1800" dirty="0"/>
               <a:t>속성을 이용하여 구현</a:t>
             </a:r>
             <a:br>
-              <a:rPr lang="en-US" altLang="ko-KR" sz="1800"/>
+              <a:rPr lang="en-US" altLang="ko-KR" sz="1800" dirty="0"/>
             </a:br>
             <a:r>
-              <a:rPr lang="en-US" altLang="ko-KR" sz="1800"/>
-              <a:t>&lt;a href="/images/myw3schoolsimage.jpg" download&gt;</a:t>
+              <a:rPr lang="en-US" altLang="ko-KR" sz="1800" dirty="0"/>
+              <a:t>&lt;a </a:t>
+            </a:r>
+            <a:r>
+              <a:rPr lang="en-US" altLang="ko-KR" sz="1800" dirty="0" err="1"/>
+              <a:t>href</a:t>
+            </a:r>
+            <a:r>
+              <a:rPr lang="en-US" altLang="ko-KR" sz="1800" dirty="0"/>
+              <a:t>="/images/myw3schoolsimage.jpg" download&gt;</a:t>
             </a:r>
             <a:br>
-              <a:rPr lang="en-US" altLang="ko-KR" sz="1800"/>
+              <a:rPr lang="en-US" altLang="ko-KR" sz="1800" dirty="0"/>
             </a:br>
             <a:r>
-              <a:rPr lang="ko-KR" altLang="en-US" sz="1800"/>
+              <a:rPr lang="ko-KR" altLang="en-US" sz="1800" dirty="0"/>
               <a:t>다운로드후 파일이름 변경</a:t>
             </a:r>
             <a:br>
-              <a:rPr lang="en-US" altLang="ko-KR" sz="1800"/>
+              <a:rPr lang="en-US" altLang="ko-KR" sz="1800" dirty="0"/>
             </a:br>
             <a:r>
-              <a:rPr lang="en-US" altLang="ko-KR" sz="1800"/>
-              <a:t>&lt;a href="/images/myw3schoolsimage.jpg" download="w3logo"&gt;</a:t>
-            </a:r>
-            <a:endParaRPr lang="ko-KR" altLang="en-US" sz="1800"/>
+              <a:rPr lang="en-US" altLang="ko-KR" sz="1800" dirty="0"/>
+              <a:t>&lt;a </a:t>
+            </a:r>
+            <a:r>
+              <a:rPr lang="en-US" altLang="ko-KR" sz="1800" dirty="0" err="1"/>
+              <a:t>href</a:t>
+            </a:r>
+            <a:r>
+              <a:rPr lang="en-US" altLang="ko-KR" sz="1800" dirty="0"/>
+              <a:t>="/images/myw3schoolsimage.jpg" download="w3logo"&gt;</a:t>
+            </a:r>
+            <a:endParaRPr lang="ko-KR" altLang="en-US" sz="1800" dirty="0"/>
           </a:p>
         </p:txBody>
       </p:sp>
